--- a/Capston Project - Cab Service.pptx
+++ b/Capston Project - Cab Service.pptx
@@ -7,56 +7,56 @@
   <p:sldIdLst>
     <p:sldId id="256" r:id="rId2"/>
     <p:sldId id="284" r:id="rId3"/>
-    <p:sldId id="285" r:id="rId4"/>
-    <p:sldId id="358" r:id="rId5"/>
-    <p:sldId id="359" r:id="rId6"/>
-    <p:sldId id="360" r:id="rId7"/>
-    <p:sldId id="361" r:id="rId8"/>
-    <p:sldId id="363" r:id="rId9"/>
-    <p:sldId id="364" r:id="rId10"/>
-    <p:sldId id="365" r:id="rId11"/>
-    <p:sldId id="366" r:id="rId12"/>
-    <p:sldId id="367" r:id="rId13"/>
-    <p:sldId id="368" r:id="rId14"/>
-    <p:sldId id="415" r:id="rId15"/>
-    <p:sldId id="416" r:id="rId16"/>
-    <p:sldId id="369" r:id="rId17"/>
-    <p:sldId id="374" r:id="rId18"/>
-    <p:sldId id="375" r:id="rId19"/>
-    <p:sldId id="370" r:id="rId20"/>
-    <p:sldId id="371" r:id="rId21"/>
-    <p:sldId id="372" r:id="rId22"/>
-    <p:sldId id="373" r:id="rId23"/>
+    <p:sldId id="439" r:id="rId4"/>
+    <p:sldId id="440" r:id="rId5"/>
+    <p:sldId id="441" r:id="rId6"/>
+    <p:sldId id="442" r:id="rId7"/>
+    <p:sldId id="360" r:id="rId8"/>
+    <p:sldId id="361" r:id="rId9"/>
+    <p:sldId id="363" r:id="rId10"/>
+    <p:sldId id="364" r:id="rId11"/>
+    <p:sldId id="365" r:id="rId12"/>
+    <p:sldId id="366" r:id="rId13"/>
+    <p:sldId id="367" r:id="rId14"/>
+    <p:sldId id="368" r:id="rId15"/>
+    <p:sldId id="415" r:id="rId16"/>
+    <p:sldId id="416" r:id="rId17"/>
+    <p:sldId id="369" r:id="rId18"/>
+    <p:sldId id="374" r:id="rId19"/>
+    <p:sldId id="375" r:id="rId20"/>
+    <p:sldId id="370" r:id="rId21"/>
+    <p:sldId id="371" r:id="rId22"/>
+    <p:sldId id="372" r:id="rId23"/>
     <p:sldId id="362" r:id="rId24"/>
     <p:sldId id="376" r:id="rId25"/>
     <p:sldId id="377" r:id="rId26"/>
     <p:sldId id="417" r:id="rId27"/>
     <p:sldId id="378" r:id="rId28"/>
-    <p:sldId id="379" r:id="rId29"/>
-    <p:sldId id="380" r:id="rId30"/>
-    <p:sldId id="381" r:id="rId31"/>
-    <p:sldId id="382" r:id="rId32"/>
-    <p:sldId id="418" r:id="rId33"/>
-    <p:sldId id="421" r:id="rId34"/>
-    <p:sldId id="419" r:id="rId35"/>
-    <p:sldId id="420" r:id="rId36"/>
-    <p:sldId id="422" r:id="rId37"/>
-    <p:sldId id="423" r:id="rId38"/>
-    <p:sldId id="424" r:id="rId39"/>
-    <p:sldId id="425" r:id="rId40"/>
-    <p:sldId id="426" r:id="rId41"/>
-    <p:sldId id="427" r:id="rId42"/>
-    <p:sldId id="428" r:id="rId43"/>
-    <p:sldId id="429" r:id="rId44"/>
-    <p:sldId id="430" r:id="rId45"/>
-    <p:sldId id="431" r:id="rId46"/>
-    <p:sldId id="432" r:id="rId47"/>
-    <p:sldId id="433" r:id="rId48"/>
-    <p:sldId id="434" r:id="rId49"/>
-    <p:sldId id="435" r:id="rId50"/>
-    <p:sldId id="436" r:id="rId51"/>
-    <p:sldId id="437" r:id="rId52"/>
-    <p:sldId id="438" r:id="rId53"/>
+    <p:sldId id="380" r:id="rId29"/>
+    <p:sldId id="381" r:id="rId30"/>
+    <p:sldId id="382" r:id="rId31"/>
+    <p:sldId id="418" r:id="rId32"/>
+    <p:sldId id="421" r:id="rId33"/>
+    <p:sldId id="419" r:id="rId34"/>
+    <p:sldId id="420" r:id="rId35"/>
+    <p:sldId id="422" r:id="rId36"/>
+    <p:sldId id="423" r:id="rId37"/>
+    <p:sldId id="424" r:id="rId38"/>
+    <p:sldId id="425" r:id="rId39"/>
+    <p:sldId id="426" r:id="rId40"/>
+    <p:sldId id="427" r:id="rId41"/>
+    <p:sldId id="428" r:id="rId42"/>
+    <p:sldId id="429" r:id="rId43"/>
+    <p:sldId id="430" r:id="rId44"/>
+    <p:sldId id="431" r:id="rId45"/>
+    <p:sldId id="432" r:id="rId46"/>
+    <p:sldId id="433" r:id="rId47"/>
+    <p:sldId id="434" r:id="rId48"/>
+    <p:sldId id="435" r:id="rId49"/>
+    <p:sldId id="436" r:id="rId50"/>
+    <p:sldId id="437" r:id="rId51"/>
+    <p:sldId id="438" r:id="rId52"/>
+    <p:sldId id="443" r:id="rId53"/>
   </p:sldIdLst>
   <p:sldSz cx="12192000" cy="6858000"/>
   <p:notesSz cx="6858000" cy="9144000"/>
@@ -294,7 +294,7 @@
           <a:p>
             <a:fld id="{42386099-759E-47AF-B5BA-C91AC6CEC5A3}" type="datetimeFigureOut">
               <a:rPr lang="en-US" smtClean="0"/>
-              <a:t>4/18/2023</a:t>
+              <a:t>4/19/2023</a:t>
             </a:fld>
             <a:endParaRPr lang="en-US"/>
           </a:p>
@@ -464,7 +464,7 @@
           <a:p>
             <a:fld id="{42386099-759E-47AF-B5BA-C91AC6CEC5A3}" type="datetimeFigureOut">
               <a:rPr lang="en-US" smtClean="0"/>
-              <a:t>4/18/2023</a:t>
+              <a:t>4/19/2023</a:t>
             </a:fld>
             <a:endParaRPr lang="en-US"/>
           </a:p>
@@ -644,7 +644,7 @@
           <a:p>
             <a:fld id="{42386099-759E-47AF-B5BA-C91AC6CEC5A3}" type="datetimeFigureOut">
               <a:rPr lang="en-US" smtClean="0"/>
-              <a:t>4/18/2023</a:t>
+              <a:t>4/19/2023</a:t>
             </a:fld>
             <a:endParaRPr lang="en-US"/>
           </a:p>
@@ -814,7 +814,7 @@
           <a:p>
             <a:fld id="{42386099-759E-47AF-B5BA-C91AC6CEC5A3}" type="datetimeFigureOut">
               <a:rPr lang="en-US" smtClean="0"/>
-              <a:t>4/18/2023</a:t>
+              <a:t>4/19/2023</a:t>
             </a:fld>
             <a:endParaRPr lang="en-US"/>
           </a:p>
@@ -1060,7 +1060,7 @@
           <a:p>
             <a:fld id="{42386099-759E-47AF-B5BA-C91AC6CEC5A3}" type="datetimeFigureOut">
               <a:rPr lang="en-US" smtClean="0"/>
-              <a:t>4/18/2023</a:t>
+              <a:t>4/19/2023</a:t>
             </a:fld>
             <a:endParaRPr lang="en-US"/>
           </a:p>
@@ -1292,7 +1292,7 @@
           <a:p>
             <a:fld id="{42386099-759E-47AF-B5BA-C91AC6CEC5A3}" type="datetimeFigureOut">
               <a:rPr lang="en-US" smtClean="0"/>
-              <a:t>4/18/2023</a:t>
+              <a:t>4/19/2023</a:t>
             </a:fld>
             <a:endParaRPr lang="en-US"/>
           </a:p>
@@ -1659,7 +1659,7 @@
           <a:p>
             <a:fld id="{42386099-759E-47AF-B5BA-C91AC6CEC5A3}" type="datetimeFigureOut">
               <a:rPr lang="en-US" smtClean="0"/>
-              <a:t>4/18/2023</a:t>
+              <a:t>4/19/2023</a:t>
             </a:fld>
             <a:endParaRPr lang="en-US"/>
           </a:p>
@@ -1777,7 +1777,7 @@
           <a:p>
             <a:fld id="{42386099-759E-47AF-B5BA-C91AC6CEC5A3}" type="datetimeFigureOut">
               <a:rPr lang="en-US" smtClean="0"/>
-              <a:t>4/18/2023</a:t>
+              <a:t>4/19/2023</a:t>
             </a:fld>
             <a:endParaRPr lang="en-US"/>
           </a:p>
@@ -1872,7 +1872,7 @@
           <a:p>
             <a:fld id="{42386099-759E-47AF-B5BA-C91AC6CEC5A3}" type="datetimeFigureOut">
               <a:rPr lang="en-US" smtClean="0"/>
-              <a:t>4/18/2023</a:t>
+              <a:t>4/19/2023</a:t>
             </a:fld>
             <a:endParaRPr lang="en-US"/>
           </a:p>
@@ -2149,7 +2149,7 @@
           <a:p>
             <a:fld id="{42386099-759E-47AF-B5BA-C91AC6CEC5A3}" type="datetimeFigureOut">
               <a:rPr lang="en-US" smtClean="0"/>
-              <a:t>4/18/2023</a:t>
+              <a:t>4/19/2023</a:t>
             </a:fld>
             <a:endParaRPr lang="en-US"/>
           </a:p>
@@ -2402,7 +2402,7 @@
           <a:p>
             <a:fld id="{42386099-759E-47AF-B5BA-C91AC6CEC5A3}" type="datetimeFigureOut">
               <a:rPr lang="en-US" smtClean="0"/>
-              <a:t>4/18/2023</a:t>
+              <a:t>4/19/2023</a:t>
             </a:fld>
             <a:endParaRPr lang="en-US"/>
           </a:p>
@@ -2615,7 +2615,7 @@
           <a:p>
             <a:fld id="{42386099-759E-47AF-B5BA-C91AC6CEC5A3}" type="datetimeFigureOut">
               <a:rPr lang="en-US" smtClean="0"/>
-              <a:t>4/18/2023</a:t>
+              <a:t>4/19/2023</a:t>
             </a:fld>
             <a:endParaRPr lang="en-US"/>
           </a:p>
@@ -3060,7 +3060,7 @@
           <a:bodyPr/>
           <a:lstStyle/>
           <a:p>
-            <a:endParaRPr lang="en-US"/>
+            <a:endParaRPr lang="en-US" dirty="0"/>
           </a:p>
         </p:txBody>
       </p:sp>
@@ -3078,6 +3078,85 @@
 </file>
 
 <file path=ppt/slides/slide10.xml><?xml version="1.0" encoding="utf-8"?>
+<p:sld xmlns:a="http://schemas.openxmlformats.org/drawingml/2006/main" xmlns:r="http://schemas.openxmlformats.org/officeDocument/2006/relationships" xmlns:p="http://schemas.openxmlformats.org/presentationml/2006/main">
+  <p:cSld>
+    <p:spTree>
+      <p:nvGrpSpPr>
+        <p:cNvPr id="1" name=""/>
+        <p:cNvGrpSpPr/>
+        <p:nvPr/>
+      </p:nvGrpSpPr>
+      <p:grpSpPr>
+        <a:xfrm>
+          <a:off x="0" y="0"/>
+          <a:ext cx="0" cy="0"/>
+          <a:chOff x="0" y="0"/>
+          <a:chExt cx="0" cy="0"/>
+        </a:xfrm>
+      </p:grpSpPr>
+      <p:sp>
+        <p:nvSpPr>
+          <p:cNvPr id="2" name="Title 1"/>
+          <p:cNvSpPr>
+            <a:spLocks noGrp="1"/>
+          </p:cNvSpPr>
+          <p:nvPr>
+            <p:ph type="title"/>
+          </p:nvPr>
+        </p:nvSpPr>
+        <p:spPr/>
+        <p:txBody>
+          <a:bodyPr/>
+          <a:lstStyle/>
+          <a:p>
+            <a:r>
+              <a:rPr lang="en-US" dirty="0" smtClean="0"/>
+              <a:t>Model file: this file contains the structure of collection with schema definition </a:t>
+            </a:r>
+            <a:endParaRPr lang="en-US" dirty="0"/>
+          </a:p>
+        </p:txBody>
+      </p:sp>
+      <p:pic>
+        <p:nvPicPr>
+          <p:cNvPr id="5" name="Content Placeholder 4"/>
+          <p:cNvPicPr>
+            <a:picLocks noGrp="1" noChangeAspect="1"/>
+          </p:cNvPicPr>
+          <p:nvPr>
+            <p:ph idx="1"/>
+          </p:nvPr>
+        </p:nvPicPr>
+        <p:blipFill>
+          <a:blip r:embed="rId2"/>
+          <a:stretch>
+            <a:fillRect/>
+          </a:stretch>
+        </p:blipFill>
+        <p:spPr>
+          <a:xfrm>
+            <a:off x="1938930" y="2336179"/>
+            <a:ext cx="8314140" cy="3330229"/>
+          </a:xfrm>
+          <a:prstGeom prst="rect">
+            <a:avLst/>
+          </a:prstGeom>
+        </p:spPr>
+      </p:pic>
+    </p:spTree>
+    <p:extLst>
+      <p:ext uri="{BB962C8B-B14F-4D97-AF65-F5344CB8AC3E}">
+        <p14:creationId xmlns:p14="http://schemas.microsoft.com/office/powerpoint/2010/main" val="986307393"/>
+      </p:ext>
+    </p:extLst>
+  </p:cSld>
+  <p:clrMapOvr>
+    <a:masterClrMapping/>
+  </p:clrMapOvr>
+</p:sld>
+</file>
+
+<file path=ppt/slides/slide11.xml><?xml version="1.0" encoding="utf-8"?>
 <p:sld xmlns:a="http://schemas.openxmlformats.org/drawingml/2006/main" xmlns:r="http://schemas.openxmlformats.org/officeDocument/2006/relationships" xmlns:p="http://schemas.openxmlformats.org/presentationml/2006/main">
   <p:cSld>
     <p:spTree>
@@ -3131,7 +3210,7 @@
 </p:sld>
 </file>
 
-<file path=ppt/slides/slide11.xml><?xml version="1.0" encoding="utf-8"?>
+<file path=ppt/slides/slide12.xml><?xml version="1.0" encoding="utf-8"?>
 <p:sld xmlns:a="http://schemas.openxmlformats.org/drawingml/2006/main" xmlns:r="http://schemas.openxmlformats.org/officeDocument/2006/relationships" xmlns:p="http://schemas.openxmlformats.org/presentationml/2006/main">
   <p:cSld>
     <p:spTree>
@@ -3181,7 +3260,7 @@
       </p:sp>
       <p:pic>
         <p:nvPicPr>
-          <p:cNvPr id="5" name="Content Placeholder 4"/>
+          <p:cNvPr id="4" name="Content Placeholder 3"/>
           <p:cNvPicPr>
             <a:picLocks noGrp="1" noChangeAspect="1"/>
           </p:cNvPicPr>
@@ -3197,8 +3276,8 @@
         </p:blipFill>
         <p:spPr>
           <a:xfrm>
-            <a:off x="1754081" y="1825625"/>
-            <a:ext cx="8683838" cy="4351338"/>
+            <a:off x="864416" y="2256163"/>
+            <a:ext cx="10463167" cy="3490262"/>
           </a:xfrm>
           <a:prstGeom prst="rect">
             <a:avLst/>
@@ -3218,7 +3297,7 @@
 </p:sld>
 </file>
 
-<file path=ppt/slides/slide12.xml><?xml version="1.0" encoding="utf-8"?>
+<file path=ppt/slides/slide13.xml><?xml version="1.0" encoding="utf-8"?>
 <p:sld xmlns:a="http://schemas.openxmlformats.org/drawingml/2006/main" xmlns:r="http://schemas.openxmlformats.org/officeDocument/2006/relationships" xmlns:p="http://schemas.openxmlformats.org/presentationml/2006/main">
   <p:cSld>
     <p:spTree>
@@ -3272,7 +3351,7 @@
 </p:sld>
 </file>
 
-<file path=ppt/slides/slide13.xml><?xml version="1.0" encoding="utf-8"?>
+<file path=ppt/slides/slide14.xml><?xml version="1.0" encoding="utf-8"?>
 <p:sld xmlns:a="http://schemas.openxmlformats.org/drawingml/2006/main" xmlns:r="http://schemas.openxmlformats.org/officeDocument/2006/relationships" xmlns:p="http://schemas.openxmlformats.org/presentationml/2006/main">
   <p:cSld>
     <p:spTree>
@@ -3351,7 +3430,7 @@
 </p:sld>
 </file>
 
-<file path=ppt/slides/slide14.xml><?xml version="1.0" encoding="utf-8"?>
+<file path=ppt/slides/slide15.xml><?xml version="1.0" encoding="utf-8"?>
 <p:sld xmlns:a="http://schemas.openxmlformats.org/drawingml/2006/main" xmlns:r="http://schemas.openxmlformats.org/officeDocument/2006/relationships" xmlns:p="http://schemas.openxmlformats.org/presentationml/2006/main">
   <p:cSld>
     <p:spTree>
@@ -3395,7 +3474,7 @@
       </p:sp>
       <p:pic>
         <p:nvPicPr>
-          <p:cNvPr id="4" name="Content Placeholder 3"/>
+          <p:cNvPr id="5" name="Content Placeholder 4"/>
           <p:cNvPicPr>
             <a:picLocks noGrp="1" noChangeAspect="1"/>
           </p:cNvPicPr>
@@ -3411,8 +3490,8 @@
         </p:blipFill>
         <p:spPr>
           <a:xfrm>
-            <a:off x="2182791" y="2305697"/>
-            <a:ext cx="7826418" cy="3391194"/>
+            <a:off x="1039692" y="2107560"/>
+            <a:ext cx="10112616" cy="3787468"/>
           </a:xfrm>
           <a:prstGeom prst="rect">
             <a:avLst/>
@@ -3432,7 +3511,7 @@
 </p:sld>
 </file>
 
-<file path=ppt/slides/slide15.xml><?xml version="1.0" encoding="utf-8"?>
+<file path=ppt/slides/slide16.xml><?xml version="1.0" encoding="utf-8"?>
 <p:sld xmlns:a="http://schemas.openxmlformats.org/drawingml/2006/main" xmlns:r="http://schemas.openxmlformats.org/officeDocument/2006/relationships" xmlns:p="http://schemas.openxmlformats.org/presentationml/2006/main">
   <p:cSld>
     <p:spTree>
@@ -3486,7 +3565,7 @@
 </p:sld>
 </file>
 
-<file path=ppt/slides/slide16.xml><?xml version="1.0" encoding="utf-8"?>
+<file path=ppt/slides/slide17.xml><?xml version="1.0" encoding="utf-8"?>
 <p:sld xmlns:a="http://schemas.openxmlformats.org/drawingml/2006/main" xmlns:r="http://schemas.openxmlformats.org/officeDocument/2006/relationships" xmlns:p="http://schemas.openxmlformats.org/presentationml/2006/main">
   <p:cSld>
     <p:spTree>
@@ -3565,7 +3644,7 @@
 </p:sld>
 </file>
 
-<file path=ppt/slides/slide17.xml><?xml version="1.0" encoding="utf-8"?>
+<file path=ppt/slides/slide18.xml><?xml version="1.0" encoding="utf-8"?>
 <p:sld xmlns:a="http://schemas.openxmlformats.org/drawingml/2006/main" xmlns:r="http://schemas.openxmlformats.org/officeDocument/2006/relationships" xmlns:p="http://schemas.openxmlformats.org/presentationml/2006/main">
   <p:cSld>
     <p:spTree>
@@ -3661,7 +3740,7 @@
 </p:sld>
 </file>
 
-<file path=ppt/slides/slide18.xml><?xml version="1.0" encoding="utf-8"?>
+<file path=ppt/slides/slide19.xml><?xml version="1.0" encoding="utf-8"?>
 <p:sld xmlns:a="http://schemas.openxmlformats.org/drawingml/2006/main" xmlns:r="http://schemas.openxmlformats.org/officeDocument/2006/relationships" xmlns:p="http://schemas.openxmlformats.org/presentationml/2006/main">
   <p:cSld>
     <p:spTree>
@@ -3715,117 +3794,6 @@
 </p:sld>
 </file>
 
-<file path=ppt/slides/slide19.xml><?xml version="1.0" encoding="utf-8"?>
-<p:sld xmlns:a="http://schemas.openxmlformats.org/drawingml/2006/main" xmlns:r="http://schemas.openxmlformats.org/officeDocument/2006/relationships" xmlns:p="http://schemas.openxmlformats.org/presentationml/2006/main">
-  <p:cSld>
-    <p:spTree>
-      <p:nvGrpSpPr>
-        <p:cNvPr id="1" name=""/>
-        <p:cNvGrpSpPr/>
-        <p:nvPr/>
-      </p:nvGrpSpPr>
-      <p:grpSpPr>
-        <a:xfrm>
-          <a:off x="0" y="0"/>
-          <a:ext cx="0" cy="0"/>
-          <a:chOff x="0" y="0"/>
-          <a:chExt cx="0" cy="0"/>
-        </a:xfrm>
-      </p:grpSpPr>
-      <p:sp>
-        <p:nvSpPr>
-          <p:cNvPr id="2" name="Title 1"/>
-          <p:cNvSpPr>
-            <a:spLocks noGrp="1"/>
-          </p:cNvSpPr>
-          <p:nvPr>
-            <p:ph type="title"/>
-          </p:nvPr>
-        </p:nvSpPr>
-        <p:spPr/>
-        <p:txBody>
-          <a:bodyPr/>
-          <a:lstStyle/>
-          <a:p>
-            <a:r>
-              <a:rPr lang="en-US" dirty="0" smtClean="0"/>
-              <a:t>Now move inside a frontend folder  </a:t>
-            </a:r>
-            <a:endParaRPr lang="en-US" dirty="0"/>
-          </a:p>
-        </p:txBody>
-      </p:sp>
-      <p:sp>
-        <p:nvSpPr>
-          <p:cNvPr id="3" name="Content Placeholder 2"/>
-          <p:cNvSpPr>
-            <a:spLocks noGrp="1"/>
-          </p:cNvSpPr>
-          <p:nvPr>
-            <p:ph idx="1"/>
-          </p:nvPr>
-        </p:nvSpPr>
-        <p:spPr/>
-        <p:txBody>
-          <a:bodyPr/>
-          <a:lstStyle/>
-          <a:p>
-            <a:r>
-              <a:rPr lang="en-US" dirty="0" smtClean="0"/>
-              <a:t>Then run the command as </a:t>
-            </a:r>
-            <a:r>
-              <a:rPr lang="en-US" dirty="0" err="1" smtClean="0"/>
-              <a:t>npm</a:t>
-            </a:r>
-            <a:r>
-              <a:rPr lang="en-US" dirty="0" smtClean="0"/>
-              <a:t> install --force to install all required dependencies. </a:t>
-            </a:r>
-            <a:endParaRPr lang="en-US" dirty="0"/>
-          </a:p>
-          <a:p>
-            <a:endParaRPr lang="en-US" dirty="0"/>
-          </a:p>
-        </p:txBody>
-      </p:sp>
-      <p:pic>
-        <p:nvPicPr>
-          <p:cNvPr id="5" name="Picture 4"/>
-          <p:cNvPicPr>
-            <a:picLocks noChangeAspect="1"/>
-          </p:cNvPicPr>
-          <p:nvPr/>
-        </p:nvPicPr>
-        <p:blipFill>
-          <a:blip r:embed="rId2"/>
-          <a:stretch>
-            <a:fillRect/>
-          </a:stretch>
-        </p:blipFill>
-        <p:spPr>
-          <a:xfrm>
-            <a:off x="127364" y="2797184"/>
-            <a:ext cx="11796782" cy="4060816"/>
-          </a:xfrm>
-          <a:prstGeom prst="rect">
-            <a:avLst/>
-          </a:prstGeom>
-        </p:spPr>
-      </p:pic>
-    </p:spTree>
-    <p:extLst>
-      <p:ext uri="{BB962C8B-B14F-4D97-AF65-F5344CB8AC3E}">
-        <p14:creationId xmlns:p14="http://schemas.microsoft.com/office/powerpoint/2010/main" val="239739098"/>
-      </p:ext>
-    </p:extLst>
-  </p:cSld>
-  <p:clrMapOvr>
-    <a:masterClrMapping/>
-  </p:clrMapOvr>
-</p:sld>
-</file>
-
 <file path=ppt/slides/slide2.xml><?xml version="1.0" encoding="utf-8"?>
 <p:sld xmlns:a="http://schemas.openxmlformats.org/drawingml/2006/main" xmlns:r="http://schemas.openxmlformats.org/officeDocument/2006/relationships" xmlns:p="http://schemas.openxmlformats.org/presentationml/2006/main">
   <p:cSld>
@@ -3978,21 +3946,53 @@
           <a:p>
             <a:r>
               <a:rPr lang="en-US" dirty="0" smtClean="0"/>
-              <a:t>Front – angular project structure </a:t>
-            </a:r>
+              <a:t>Now move inside a frontend folder  </a:t>
+            </a:r>
+            <a:endParaRPr lang="en-US" dirty="0"/>
+          </a:p>
+        </p:txBody>
+      </p:sp>
+      <p:sp>
+        <p:nvSpPr>
+          <p:cNvPr id="3" name="Content Placeholder 2"/>
+          <p:cNvSpPr>
+            <a:spLocks noGrp="1"/>
+          </p:cNvSpPr>
+          <p:nvPr>
+            <p:ph idx="1"/>
+          </p:nvPr>
+        </p:nvSpPr>
+        <p:spPr/>
+        <p:txBody>
+          <a:bodyPr/>
+          <a:lstStyle/>
+          <a:p>
+            <a:r>
+              <a:rPr lang="en-US" dirty="0" smtClean="0"/>
+              <a:t>Then run the command as </a:t>
+            </a:r>
+            <a:r>
+              <a:rPr lang="en-US" dirty="0" err="1" smtClean="0"/>
+              <a:t>npm</a:t>
+            </a:r>
+            <a:r>
+              <a:rPr lang="en-US" dirty="0" smtClean="0"/>
+              <a:t> install --force to install all required dependencies. </a:t>
+            </a:r>
+            <a:endParaRPr lang="en-US" dirty="0"/>
+          </a:p>
+          <a:p>
             <a:endParaRPr lang="en-US" dirty="0"/>
           </a:p>
         </p:txBody>
       </p:sp>
       <p:pic>
         <p:nvPicPr>
-          <p:cNvPr id="5" name="Content Placeholder 4"/>
+          <p:cNvPr id="4" name="Picture 3"/>
           <p:cNvPicPr>
-            <a:picLocks noGrp="1" noChangeAspect="1"/>
+            <a:picLocks noChangeAspect="1"/>
           </p:cNvPicPr>
-          <p:nvPr>
-            <p:ph idx="1"/>
-          </p:nvPr>
+          <p:nvPr/>
         </p:nvPicPr>
         <p:blipFill>
           <a:blip r:embed="rId2"/>
@@ -4002,8 +4002,87 @@
         </p:blipFill>
         <p:spPr>
           <a:xfrm>
-            <a:off x="3228839" y="1825625"/>
-            <a:ext cx="5734321" cy="4351338"/>
+            <a:off x="0" y="2632364"/>
+            <a:ext cx="11887200" cy="4151745"/>
+          </a:xfrm>
+          <a:prstGeom prst="rect">
+            <a:avLst/>
+          </a:prstGeom>
+        </p:spPr>
+      </p:pic>
+    </p:spTree>
+    <p:extLst>
+      <p:ext uri="{BB962C8B-B14F-4D97-AF65-F5344CB8AC3E}">
+        <p14:creationId xmlns:p14="http://schemas.microsoft.com/office/powerpoint/2010/main" val="239739098"/>
+      </p:ext>
+    </p:extLst>
+  </p:cSld>
+  <p:clrMapOvr>
+    <a:masterClrMapping/>
+  </p:clrMapOvr>
+</p:sld>
+</file>
+
+<file path=ppt/slides/slide21.xml><?xml version="1.0" encoding="utf-8"?>
+<p:sld xmlns:a="http://schemas.openxmlformats.org/drawingml/2006/main" xmlns:r="http://schemas.openxmlformats.org/officeDocument/2006/relationships" xmlns:p="http://schemas.openxmlformats.org/presentationml/2006/main">
+  <p:cSld>
+    <p:spTree>
+      <p:nvGrpSpPr>
+        <p:cNvPr id="1" name=""/>
+        <p:cNvGrpSpPr/>
+        <p:nvPr/>
+      </p:nvGrpSpPr>
+      <p:grpSpPr>
+        <a:xfrm>
+          <a:off x="0" y="0"/>
+          <a:ext cx="0" cy="0"/>
+          <a:chOff x="0" y="0"/>
+          <a:chExt cx="0" cy="0"/>
+        </a:xfrm>
+      </p:grpSpPr>
+      <p:sp>
+        <p:nvSpPr>
+          <p:cNvPr id="2" name="Title 1"/>
+          <p:cNvSpPr>
+            <a:spLocks noGrp="1"/>
+          </p:cNvSpPr>
+          <p:nvPr>
+            <p:ph type="title"/>
+          </p:nvPr>
+        </p:nvSpPr>
+        <p:spPr/>
+        <p:txBody>
+          <a:bodyPr/>
+          <a:lstStyle/>
+          <a:p>
+            <a:r>
+              <a:rPr lang="en-US" dirty="0" smtClean="0"/>
+              <a:t>Front – angular project structure </a:t>
+            </a:r>
+            <a:endParaRPr lang="en-US" dirty="0"/>
+          </a:p>
+        </p:txBody>
+      </p:sp>
+      <p:pic>
+        <p:nvPicPr>
+          <p:cNvPr id="4" name="Content Placeholder 3"/>
+          <p:cNvPicPr>
+            <a:picLocks noGrp="1" noChangeAspect="1"/>
+          </p:cNvPicPr>
+          <p:nvPr>
+            <p:ph idx="1"/>
+          </p:nvPr>
+        </p:nvPicPr>
+        <p:blipFill>
+          <a:blip r:embed="rId2"/>
+          <a:stretch>
+            <a:fillRect/>
+          </a:stretch>
+        </p:blipFill>
+        <p:spPr>
+          <a:xfrm>
+            <a:off x="879371" y="1825625"/>
+            <a:ext cx="10433258" cy="4351338"/>
           </a:xfrm>
           <a:prstGeom prst="rect">
             <a:avLst/>
@@ -4023,7 +4102,7 @@
 </p:sld>
 </file>
 
-<file path=ppt/slides/slide21.xml><?xml version="1.0" encoding="utf-8"?>
+<file path=ppt/slides/slide22.xml><?xml version="1.0" encoding="utf-8"?>
 <p:sld xmlns:a="http://schemas.openxmlformats.org/drawingml/2006/main" xmlns:r="http://schemas.openxmlformats.org/officeDocument/2006/relationships" xmlns:p="http://schemas.openxmlformats.org/presentationml/2006/main">
   <p:cSld>
     <p:spTree>
@@ -4125,85 +4204,6 @@
     <p:extLst>
       <p:ext uri="{BB962C8B-B14F-4D97-AF65-F5344CB8AC3E}">
         <p14:creationId xmlns:p14="http://schemas.microsoft.com/office/powerpoint/2010/main" val="2158289917"/>
-      </p:ext>
-    </p:extLst>
-  </p:cSld>
-  <p:clrMapOvr>
-    <a:masterClrMapping/>
-  </p:clrMapOvr>
-</p:sld>
-</file>
-
-<file path=ppt/slides/slide22.xml><?xml version="1.0" encoding="utf-8"?>
-<p:sld xmlns:a="http://schemas.openxmlformats.org/drawingml/2006/main" xmlns:r="http://schemas.openxmlformats.org/officeDocument/2006/relationships" xmlns:p="http://schemas.openxmlformats.org/presentationml/2006/main">
-  <p:cSld>
-    <p:spTree>
-      <p:nvGrpSpPr>
-        <p:cNvPr id="1" name=""/>
-        <p:cNvGrpSpPr/>
-        <p:nvPr/>
-      </p:nvGrpSpPr>
-      <p:grpSpPr>
-        <a:xfrm>
-          <a:off x="0" y="0"/>
-          <a:ext cx="0" cy="0"/>
-          <a:chOff x="0" y="0"/>
-          <a:chExt cx="0" cy="0"/>
-        </a:xfrm>
-      </p:grpSpPr>
-      <p:sp>
-        <p:nvSpPr>
-          <p:cNvPr id="2" name="Title 1"/>
-          <p:cNvSpPr>
-            <a:spLocks noGrp="1"/>
-          </p:cNvSpPr>
-          <p:nvPr>
-            <p:ph type="title"/>
-          </p:nvPr>
-        </p:nvSpPr>
-        <p:spPr/>
-        <p:txBody>
-          <a:bodyPr/>
-          <a:lstStyle/>
-          <a:p>
-            <a:r>
-              <a:rPr lang="en-US" dirty="0" smtClean="0"/>
-              <a:t>Now build the angular project using command as ng build </a:t>
-            </a:r>
-            <a:endParaRPr lang="en-US" dirty="0"/>
-          </a:p>
-        </p:txBody>
-      </p:sp>
-      <p:pic>
-        <p:nvPicPr>
-          <p:cNvPr id="5" name="Content Placeholder 4"/>
-          <p:cNvPicPr>
-            <a:picLocks noGrp="1" noChangeAspect="1"/>
-          </p:cNvPicPr>
-          <p:nvPr>
-            <p:ph idx="1"/>
-          </p:nvPr>
-        </p:nvPicPr>
-        <p:blipFill>
-          <a:blip r:embed="rId2"/>
-          <a:stretch>
-            <a:fillRect/>
-          </a:stretch>
-        </p:blipFill>
-        <p:spPr>
-          <a:xfrm>
-            <a:off x="917214" y="1825625"/>
-            <a:ext cx="10357572" cy="4351338"/>
-          </a:xfrm>
-          <a:prstGeom prst="rect">
-            <a:avLst/>
-          </a:prstGeom>
-        </p:spPr>
-      </p:pic>
-    </p:spTree>
-    <p:extLst>
-      <p:ext uri="{BB962C8B-B14F-4D97-AF65-F5344CB8AC3E}">
-        <p14:creationId xmlns:p14="http://schemas.microsoft.com/office/powerpoint/2010/main" val="3411660676"/>
       </p:ext>
     </p:extLst>
   </p:cSld>
@@ -4479,22 +4479,45 @@
             <p:ph idx="1"/>
           </p:nvPr>
         </p:nvSpPr>
-        <p:spPr/>
-        <p:txBody>
-          <a:bodyPr/>
+        <p:spPr>
+          <a:xfrm>
+            <a:off x="838200" y="1825625"/>
+            <a:ext cx="10254673" cy="446520"/>
+          </a:xfrm>
+        </p:spPr>
+        <p:txBody>
+          <a:bodyPr>
+            <a:normAutofit lnSpcReduction="10000"/>
+          </a:bodyPr>
           <a:lstStyle/>
           <a:p>
             <a:r>
               <a:rPr lang="en-US" dirty="0" err="1"/>
+              <a:t>s</a:t>
+            </a:r>
+            <a:r>
+              <a:rPr lang="en-US" dirty="0" err="1" smtClean="0"/>
+              <a:t>udo</a:t>
+            </a:r>
+            <a:r>
+              <a:rPr lang="en-US" dirty="0" smtClean="0"/>
+              <a:t> </a:t>
+            </a:r>
+            <a:r>
+              <a:rPr lang="en-US" dirty="0" err="1" smtClean="0"/>
               <a:t>docker</a:t>
             </a:r>
             <a:r>
+              <a:rPr lang="en-US" dirty="0" smtClean="0"/>
+              <a:t>-compose </a:t>
+            </a:r>
+            <a:r>
               <a:rPr lang="en-US" dirty="0"/>
-              <a:t>-compose up </a:t>
-            </a:r>
-            <a:r>
-              <a:rPr lang="en-US" dirty="0" smtClean="0"/>
-              <a:t>–build</a:t>
+              <a:t>up </a:t>
+            </a:r>
+            <a:r>
+              <a:rPr lang="en-US" dirty="0" smtClean="0"/>
+              <a:t>--build –d </a:t>
             </a:r>
           </a:p>
           <a:p>
@@ -4507,7 +4530,7 @@
       </p:sp>
       <p:pic>
         <p:nvPicPr>
-          <p:cNvPr id="5" name="Picture 4"/>
+          <p:cNvPr id="4" name="Picture 3"/>
           <p:cNvPicPr>
             <a:picLocks noChangeAspect="1"/>
           </p:cNvPicPr>
@@ -4521,8 +4544,8 @@
         </p:blipFill>
         <p:spPr>
           <a:xfrm>
-            <a:off x="494114" y="2968060"/>
-            <a:ext cx="11370025" cy="3711262"/>
+            <a:off x="1374985" y="2718126"/>
+            <a:ext cx="7132938" cy="3139712"/>
           </a:xfrm>
           <a:prstGeom prst="rect">
             <a:avLst/>
@@ -4561,7 +4584,7 @@
       </p:grpSpPr>
       <p:pic>
         <p:nvPicPr>
-          <p:cNvPr id="2" name="Picture 1"/>
+          <p:cNvPr id="3" name="Picture 2"/>
           <p:cNvPicPr>
             <a:picLocks noChangeAspect="1"/>
           </p:cNvPicPr>
@@ -4575,8 +4598,8 @@
         </p:blipFill>
         <p:spPr>
           <a:xfrm>
-            <a:off x="0" y="347187"/>
-            <a:ext cx="12192000" cy="6163626"/>
+            <a:off x="2590496" y="963716"/>
+            <a:ext cx="7011008" cy="4930567"/>
           </a:xfrm>
           <a:prstGeom prst="rect">
             <a:avLst/>
@@ -4646,7 +4669,12 @@
             <p:ph idx="1"/>
           </p:nvPr>
         </p:nvSpPr>
-        <p:spPr/>
+        <p:spPr>
+          <a:xfrm>
+            <a:off x="838200" y="1825624"/>
+            <a:ext cx="10515600" cy="2598593"/>
+          </a:xfrm>
+        </p:spPr>
         <p:txBody>
           <a:bodyPr/>
           <a:lstStyle/>
@@ -4658,9 +4686,90 @@
           </a:p>
           <a:p>
             <a:r>
-              <a:rPr lang="en-US" dirty="0" smtClean="0"/>
-              <a:t>Open another terminal and check the container status. </a:t>
-            </a:r>
+              <a:rPr lang="en-US" dirty="0" err="1"/>
+              <a:t>s</a:t>
+            </a:r>
+            <a:r>
+              <a:rPr lang="en-US" dirty="0" err="1" smtClean="0"/>
+              <a:t>udo</a:t>
+            </a:r>
+            <a:r>
+              <a:rPr lang="en-US" dirty="0" smtClean="0"/>
+              <a:t> </a:t>
+            </a:r>
+            <a:r>
+              <a:rPr lang="en-US" dirty="0" err="1" smtClean="0"/>
+              <a:t>docker</a:t>
+            </a:r>
+            <a:r>
+              <a:rPr lang="en-US" dirty="0" smtClean="0"/>
+              <a:t> </a:t>
+            </a:r>
+            <a:r>
+              <a:rPr lang="en-US" dirty="0" err="1" smtClean="0"/>
+              <a:t>ps</a:t>
+            </a:r>
+            <a:r>
+              <a:rPr lang="en-US" dirty="0" smtClean="0"/>
+              <a:t> </a:t>
+            </a:r>
+          </a:p>
+          <a:p>
+            <a:r>
+              <a:rPr lang="en-US" dirty="0"/>
+              <a:t>a</a:t>
+            </a:r>
+            <a:r>
+              <a:rPr lang="en-US" dirty="0" smtClean="0"/>
+              <a:t>ngular with </a:t>
+            </a:r>
+            <a:r>
+              <a:rPr lang="en-US" dirty="0" err="1" smtClean="0"/>
+              <a:t>nginix</a:t>
+            </a:r>
+            <a:r>
+              <a:rPr lang="en-US" dirty="0" smtClean="0"/>
+              <a:t> server running on port number 81</a:t>
+            </a:r>
+          </a:p>
+          <a:p>
+            <a:r>
+              <a:rPr lang="en-US" dirty="0"/>
+              <a:t>e</a:t>
+            </a:r>
+            <a:r>
+              <a:rPr lang="en-US" dirty="0" smtClean="0"/>
+              <a:t>xpress </a:t>
+            </a:r>
+            <a:r>
+              <a:rPr lang="en-US" dirty="0" err="1" smtClean="0"/>
+              <a:t>js</a:t>
+            </a:r>
+            <a:r>
+              <a:rPr lang="en-US" dirty="0" smtClean="0"/>
+              <a:t> running on 3000</a:t>
+            </a:r>
+          </a:p>
+          <a:p>
+            <a:r>
+              <a:rPr lang="en-US" dirty="0"/>
+              <a:t>m</a:t>
+            </a:r>
+            <a:r>
+              <a:rPr lang="en-US" dirty="0" smtClean="0"/>
+              <a:t>ongo </a:t>
+            </a:r>
+            <a:r>
+              <a:rPr lang="en-US" dirty="0" err="1" smtClean="0"/>
+              <a:t>db</a:t>
+            </a:r>
+            <a:r>
+              <a:rPr lang="en-US" dirty="0" smtClean="0"/>
+              <a:t> running on 27018</a:t>
+            </a:r>
+          </a:p>
+          <a:p>
+            <a:endParaRPr lang="en-US" dirty="0" smtClean="0"/>
           </a:p>
           <a:p>
             <a:endParaRPr lang="en-US" dirty="0"/>
@@ -4669,7 +4778,7 @@
       </p:sp>
       <p:pic>
         <p:nvPicPr>
-          <p:cNvPr id="5" name="Picture 4"/>
+          <p:cNvPr id="4" name="Picture 3"/>
           <p:cNvPicPr>
             <a:picLocks noChangeAspect="1"/>
           </p:cNvPicPr>
@@ -4683,8 +4792,8 @@
         </p:blipFill>
         <p:spPr>
           <a:xfrm>
-            <a:off x="0" y="4476963"/>
-            <a:ext cx="12192000" cy="2078909"/>
+            <a:off x="5488108" y="4686112"/>
+            <a:ext cx="6934801" cy="2171888"/>
           </a:xfrm>
           <a:prstGeom prst="rect">
             <a:avLst/>
@@ -4738,7 +4847,15 @@
           <a:p>
             <a:r>
               <a:rPr lang="en-US" dirty="0" smtClean="0"/>
-              <a:t>Container details </a:t>
+              <a:t>Now run the application using </a:t>
+            </a:r>
+            <a:r>
+              <a:rPr lang="en-US" dirty="0" err="1" smtClean="0"/>
+              <a:t>url</a:t>
+            </a:r>
+            <a:r>
+              <a:rPr lang="en-US" dirty="0" smtClean="0"/>
+              <a:t> as </a:t>
             </a:r>
             <a:endParaRPr lang="en-US" dirty="0"/>
           </a:p>
@@ -4761,44 +4878,10 @@
           <a:p>
             <a:r>
               <a:rPr lang="en-US" dirty="0" smtClean="0"/>
-              <a:t>Angular running with </a:t>
-            </a:r>
-            <a:r>
-              <a:rPr lang="en-US" dirty="0" err="1" smtClean="0"/>
-              <a:t>nginx</a:t>
-            </a:r>
-            <a:r>
-              <a:rPr lang="en-US" dirty="0" smtClean="0"/>
-              <a:t> server with 80 port number. </a:t>
-            </a:r>
-          </a:p>
-          <a:p>
-            <a:r>
-              <a:rPr lang="en-US" dirty="0" smtClean="0"/>
-              <a:t>Express </a:t>
-            </a:r>
-            <a:r>
-              <a:rPr lang="en-US" dirty="0" err="1" smtClean="0"/>
-              <a:t>js</a:t>
-            </a:r>
-            <a:r>
-              <a:rPr lang="en-US" dirty="0" smtClean="0"/>
-              <a:t> running on port number 3000 port number </a:t>
-            </a:r>
-          </a:p>
-          <a:p>
-            <a:r>
-              <a:rPr lang="en-US" dirty="0" smtClean="0"/>
-              <a:t>Mongo </a:t>
-            </a:r>
-            <a:r>
-              <a:rPr lang="en-US" dirty="0" err="1" smtClean="0"/>
-              <a:t>db</a:t>
-            </a:r>
-            <a:r>
-              <a:rPr lang="en-US" dirty="0" smtClean="0"/>
-              <a:t> database running on 27017 port number. </a:t>
-            </a:r>
+              <a:t>http://localhost:81</a:t>
+            </a:r>
+          </a:p>
+          <a:p>
             <a:endParaRPr lang="en-US" dirty="0"/>
           </a:p>
         </p:txBody>
@@ -4806,7 +4889,7 @@
     </p:spTree>
     <p:extLst>
       <p:ext uri="{BB962C8B-B14F-4D97-AF65-F5344CB8AC3E}">
-        <p14:creationId xmlns:p14="http://schemas.microsoft.com/office/powerpoint/2010/main" val="1100742679"/>
+        <p14:creationId xmlns:p14="http://schemas.microsoft.com/office/powerpoint/2010/main" val="3389115660"/>
       </p:ext>
     </p:extLst>
   </p:cSld>
@@ -4833,69 +4916,34 @@
           <a:chExt cx="0" cy="0"/>
         </a:xfrm>
       </p:grpSpPr>
-      <p:sp>
-        <p:nvSpPr>
-          <p:cNvPr id="2" name="Title 1"/>
-          <p:cNvSpPr>
-            <a:spLocks noGrp="1"/>
-          </p:cNvSpPr>
-          <p:nvPr>
-            <p:ph type="title"/>
-          </p:nvPr>
-        </p:nvSpPr>
-        <p:spPr/>
-        <p:txBody>
-          <a:bodyPr/>
-          <a:lstStyle/>
-          <a:p>
-            <a:r>
-              <a:rPr lang="en-US" dirty="0" smtClean="0"/>
-              <a:t>Now run the application using </a:t>
-            </a:r>
-            <a:r>
-              <a:rPr lang="en-US" dirty="0" err="1" smtClean="0"/>
-              <a:t>url</a:t>
-            </a:r>
-            <a:r>
-              <a:rPr lang="en-US" dirty="0" smtClean="0"/>
-              <a:t> as </a:t>
-            </a:r>
-            <a:endParaRPr lang="en-US" dirty="0"/>
-          </a:p>
-        </p:txBody>
-      </p:sp>
-      <p:sp>
-        <p:nvSpPr>
-          <p:cNvPr id="3" name="Content Placeholder 2"/>
-          <p:cNvSpPr>
-            <a:spLocks noGrp="1"/>
-          </p:cNvSpPr>
-          <p:nvPr>
-            <p:ph idx="1"/>
-          </p:nvPr>
-        </p:nvSpPr>
-        <p:spPr/>
-        <p:txBody>
-          <a:bodyPr/>
-          <a:lstStyle/>
-          <a:p>
-            <a:r>
-              <a:rPr lang="en-US" dirty="0" smtClean="0">
-                <a:hlinkClick r:id="rId2"/>
-              </a:rPr>
-              <a:t>http://localhost:80</a:t>
-            </a:r>
-            <a:endParaRPr lang="en-US" dirty="0" smtClean="0"/>
-          </a:p>
-          <a:p>
-            <a:endParaRPr lang="en-US" dirty="0"/>
-          </a:p>
-        </p:txBody>
-      </p:sp>
+      <p:pic>
+        <p:nvPicPr>
+          <p:cNvPr id="2" name="Picture 1"/>
+          <p:cNvPicPr>
+            <a:picLocks noChangeAspect="1"/>
+          </p:cNvPicPr>
+          <p:nvPr/>
+        </p:nvPicPr>
+        <p:blipFill>
+          <a:blip r:embed="rId2"/>
+          <a:stretch>
+            <a:fillRect/>
+          </a:stretch>
+        </p:blipFill>
+        <p:spPr>
+          <a:xfrm>
+            <a:off x="0" y="1459867"/>
+            <a:ext cx="12192000" cy="3938266"/>
+          </a:xfrm>
+          <a:prstGeom prst="rect">
+            <a:avLst/>
+          </a:prstGeom>
+        </p:spPr>
+      </p:pic>
     </p:spTree>
     <p:extLst>
       <p:ext uri="{BB962C8B-B14F-4D97-AF65-F5344CB8AC3E}">
-        <p14:creationId xmlns:p14="http://schemas.microsoft.com/office/powerpoint/2010/main" val="3389115660"/>
+        <p14:creationId xmlns:p14="http://schemas.microsoft.com/office/powerpoint/2010/main" val="1509554438"/>
       </p:ext>
     </p:extLst>
   </p:cSld>
@@ -4922,84 +4970,9 @@
           <a:chExt cx="0" cy="0"/>
         </a:xfrm>
       </p:grpSpPr>
-      <p:sp>
-        <p:nvSpPr>
-          <p:cNvPr id="2" name="Title 1"/>
-          <p:cNvSpPr>
-            <a:spLocks noGrp="1"/>
-          </p:cNvSpPr>
-          <p:nvPr>
-            <p:ph type="title"/>
-          </p:nvPr>
-        </p:nvSpPr>
-        <p:spPr/>
-        <p:txBody>
-          <a:bodyPr/>
-          <a:lstStyle/>
-          <a:p>
-            <a:endParaRPr lang="en-US" dirty="0"/>
-          </a:p>
-        </p:txBody>
-      </p:sp>
       <p:pic>
         <p:nvPicPr>
-          <p:cNvPr id="4" name="Content Placeholder 3"/>
-          <p:cNvPicPr>
-            <a:picLocks noGrp="1" noChangeAspect="1"/>
-          </p:cNvPicPr>
-          <p:nvPr>
-            <p:ph idx="1"/>
-          </p:nvPr>
-        </p:nvPicPr>
-        <p:blipFill>
-          <a:blip r:embed="rId2"/>
-          <a:stretch>
-            <a:fillRect/>
-          </a:stretch>
-        </p:blipFill>
-        <p:spPr>
-          <a:xfrm>
-            <a:off x="838200" y="2823125"/>
-            <a:ext cx="10515600" cy="2356338"/>
-          </a:xfrm>
-          <a:prstGeom prst="rect">
-            <a:avLst/>
-          </a:prstGeom>
-        </p:spPr>
-      </p:pic>
-    </p:spTree>
-    <p:extLst>
-      <p:ext uri="{BB962C8B-B14F-4D97-AF65-F5344CB8AC3E}">
-        <p14:creationId xmlns:p14="http://schemas.microsoft.com/office/powerpoint/2010/main" val="3732981008"/>
-      </p:ext>
-    </p:extLst>
-  </p:cSld>
-  <p:clrMapOvr>
-    <a:masterClrMapping/>
-  </p:clrMapOvr>
-</p:sld>
-</file>
-
-<file path=ppt/slides/slide30.xml><?xml version="1.0" encoding="utf-8"?>
-<p:sld xmlns:a="http://schemas.openxmlformats.org/drawingml/2006/main" xmlns:r="http://schemas.openxmlformats.org/officeDocument/2006/relationships" xmlns:p="http://schemas.openxmlformats.org/presentationml/2006/main">
-  <p:cSld>
-    <p:spTree>
-      <p:nvGrpSpPr>
-        <p:cNvPr id="1" name=""/>
-        <p:cNvGrpSpPr/>
-        <p:nvPr/>
-      </p:nvGrpSpPr>
-      <p:grpSpPr>
-        <a:xfrm>
-          <a:off x="0" y="0"/>
-          <a:ext cx="0" cy="0"/>
-          <a:chOff x="0" y="0"/>
-          <a:chExt cx="0" cy="0"/>
-        </a:xfrm>
-      </p:grpSpPr>
-      <p:pic>
-        <p:nvPicPr>
-          <p:cNvPr id="3" name="Picture 2"/>
+          <p:cNvPr id="2" name="Picture 1"/>
           <p:cNvPicPr>
             <a:picLocks noChangeAspect="1"/>
           </p:cNvPicPr>
@@ -5013,8 +4986,8 @@
         </p:blipFill>
         <p:spPr>
           <a:xfrm>
-            <a:off x="0" y="333908"/>
-            <a:ext cx="12192000" cy="6190184"/>
+            <a:off x="2053239" y="342632"/>
+            <a:ext cx="8085521" cy="6172735"/>
           </a:xfrm>
           <a:prstGeom prst="rect">
             <a:avLst/>
@@ -5024,7 +4997,7 @@
     </p:spTree>
     <p:extLst>
       <p:ext uri="{BB962C8B-B14F-4D97-AF65-F5344CB8AC3E}">
-        <p14:creationId xmlns:p14="http://schemas.microsoft.com/office/powerpoint/2010/main" val="1509554438"/>
+        <p14:creationId xmlns:p14="http://schemas.microsoft.com/office/powerpoint/2010/main" val="259483922"/>
       </p:ext>
     </p:extLst>
   </p:cSld>
@@ -5034,7 +5007,7 @@
 </p:sld>
 </file>
 
-<file path=ppt/slides/slide31.xml><?xml version="1.0" encoding="utf-8"?>
+<file path=ppt/slides/slide30.xml><?xml version="1.0" encoding="utf-8"?>
 <p:sld xmlns:a="http://schemas.openxmlformats.org/drawingml/2006/main" xmlns:r="http://schemas.openxmlformats.org/officeDocument/2006/relationships" xmlns:p="http://schemas.openxmlformats.org/presentationml/2006/main">
   <p:cSld>
     <p:spTree>
@@ -5133,7 +5106,7 @@
 </p:sld>
 </file>
 
-<file path=ppt/slides/slide32.xml><?xml version="1.0" encoding="utf-8"?>
+<file path=ppt/slides/slide31.xml><?xml version="1.0" encoding="utf-8"?>
 <p:sld xmlns:a="http://schemas.openxmlformats.org/drawingml/2006/main" xmlns:r="http://schemas.openxmlformats.org/officeDocument/2006/relationships" xmlns:p="http://schemas.openxmlformats.org/presentationml/2006/main">
   <p:cSld>
     <p:spTree>
@@ -5212,7 +5185,7 @@
 </p:sld>
 </file>
 
-<file path=ppt/slides/slide33.xml><?xml version="1.0" encoding="utf-8"?>
+<file path=ppt/slides/slide32.xml><?xml version="1.0" encoding="utf-8"?>
 <p:sld xmlns:a="http://schemas.openxmlformats.org/drawingml/2006/main" xmlns:r="http://schemas.openxmlformats.org/officeDocument/2006/relationships" xmlns:p="http://schemas.openxmlformats.org/presentationml/2006/main">
   <p:cSld>
     <p:spTree>
@@ -5291,7 +5264,7 @@
 </p:sld>
 </file>
 
-<file path=ppt/slides/slide34.xml><?xml version="1.0" encoding="utf-8"?>
+<file path=ppt/slides/slide33.xml><?xml version="1.0" encoding="utf-8"?>
 <p:sld xmlns:a="http://schemas.openxmlformats.org/drawingml/2006/main" xmlns:r="http://schemas.openxmlformats.org/officeDocument/2006/relationships" xmlns:p="http://schemas.openxmlformats.org/presentationml/2006/main">
   <p:cSld>
     <p:spTree>
@@ -5370,7 +5343,7 @@
 </p:sld>
 </file>
 
-<file path=ppt/slides/slide35.xml><?xml version="1.0" encoding="utf-8"?>
+<file path=ppt/slides/slide34.xml><?xml version="1.0" encoding="utf-8"?>
 <p:sld xmlns:a="http://schemas.openxmlformats.org/drawingml/2006/main" xmlns:r="http://schemas.openxmlformats.org/officeDocument/2006/relationships" xmlns:p="http://schemas.openxmlformats.org/presentationml/2006/main">
   <p:cSld>
     <p:spTree>
@@ -5449,7 +5422,7 @@
 </p:sld>
 </file>
 
-<file path=ppt/slides/slide36.xml><?xml version="1.0" encoding="utf-8"?>
+<file path=ppt/slides/slide35.xml><?xml version="1.0" encoding="utf-8"?>
 <p:sld xmlns:a="http://schemas.openxmlformats.org/drawingml/2006/main" xmlns:r="http://schemas.openxmlformats.org/officeDocument/2006/relationships" xmlns:p="http://schemas.openxmlformats.org/presentationml/2006/main">
   <p:cSld>
     <p:spTree>
@@ -5542,7 +5515,7 @@
 </p:sld>
 </file>
 
-<file path=ppt/slides/slide37.xml><?xml version="1.0" encoding="utf-8"?>
+<file path=ppt/slides/slide36.xml><?xml version="1.0" encoding="utf-8"?>
 <p:sld xmlns:a="http://schemas.openxmlformats.org/drawingml/2006/main" xmlns:r="http://schemas.openxmlformats.org/officeDocument/2006/relationships" xmlns:p="http://schemas.openxmlformats.org/presentationml/2006/main">
   <p:cSld>
     <p:spTree>
@@ -5621,7 +5594,7 @@
 </p:sld>
 </file>
 
-<file path=ppt/slides/slide38.xml><?xml version="1.0" encoding="utf-8"?>
+<file path=ppt/slides/slide37.xml><?xml version="1.0" encoding="utf-8"?>
 <p:sld xmlns:a="http://schemas.openxmlformats.org/drawingml/2006/main" xmlns:r="http://schemas.openxmlformats.org/officeDocument/2006/relationships" xmlns:p="http://schemas.openxmlformats.org/presentationml/2006/main">
   <p:cSld>
     <p:spTree>
@@ -5700,7 +5673,7 @@
 </p:sld>
 </file>
 
-<file path=ppt/slides/slide39.xml><?xml version="1.0" encoding="utf-8"?>
+<file path=ppt/slides/slide38.xml><?xml version="1.0" encoding="utf-8"?>
 <p:sld xmlns:a="http://schemas.openxmlformats.org/drawingml/2006/main" xmlns:r="http://schemas.openxmlformats.org/officeDocument/2006/relationships" xmlns:p="http://schemas.openxmlformats.org/presentationml/2006/main">
   <p:cSld>
     <p:spTree>
@@ -5779,86 +5752,7 @@
 </p:sld>
 </file>
 
-<file path=ppt/slides/slide4.xml><?xml version="1.0" encoding="utf-8"?>
-<p:sld xmlns:a="http://schemas.openxmlformats.org/drawingml/2006/main" xmlns:r="http://schemas.openxmlformats.org/officeDocument/2006/relationships" xmlns:p="http://schemas.openxmlformats.org/presentationml/2006/main">
-  <p:cSld>
-    <p:spTree>
-      <p:nvGrpSpPr>
-        <p:cNvPr id="1" name=""/>
-        <p:cNvGrpSpPr/>
-        <p:nvPr/>
-      </p:nvGrpSpPr>
-      <p:grpSpPr>
-        <a:xfrm>
-          <a:off x="0" y="0"/>
-          <a:ext cx="0" cy="0"/>
-          <a:chOff x="0" y="0"/>
-          <a:chExt cx="0" cy="0"/>
-        </a:xfrm>
-      </p:grpSpPr>
-      <p:sp>
-        <p:nvSpPr>
-          <p:cNvPr id="2" name="Title 1"/>
-          <p:cNvSpPr>
-            <a:spLocks noGrp="1"/>
-          </p:cNvSpPr>
-          <p:nvPr>
-            <p:ph type="title"/>
-          </p:nvPr>
-        </p:nvSpPr>
-        <p:spPr/>
-        <p:txBody>
-          <a:bodyPr/>
-          <a:lstStyle/>
-          <a:p>
-            <a:r>
-              <a:rPr lang="en-US" dirty="0" smtClean="0"/>
-              <a:t>Project structure path</a:t>
-            </a:r>
-            <a:endParaRPr lang="en-US" dirty="0"/>
-          </a:p>
-        </p:txBody>
-      </p:sp>
-      <p:pic>
-        <p:nvPicPr>
-          <p:cNvPr id="5" name="Content Placeholder 4"/>
-          <p:cNvPicPr>
-            <a:picLocks noGrp="1" noChangeAspect="1"/>
-          </p:cNvPicPr>
-          <p:nvPr>
-            <p:ph idx="1"/>
-          </p:nvPr>
-        </p:nvPicPr>
-        <p:blipFill>
-          <a:blip r:embed="rId2"/>
-          <a:stretch>
-            <a:fillRect/>
-          </a:stretch>
-        </p:blipFill>
-        <p:spPr>
-          <a:xfrm>
-            <a:off x="2544772" y="2187577"/>
-            <a:ext cx="7102455" cy="3627434"/>
-          </a:xfrm>
-          <a:prstGeom prst="rect">
-            <a:avLst/>
-          </a:prstGeom>
-        </p:spPr>
-      </p:pic>
-    </p:spTree>
-    <p:extLst>
-      <p:ext uri="{BB962C8B-B14F-4D97-AF65-F5344CB8AC3E}">
-        <p14:creationId xmlns:p14="http://schemas.microsoft.com/office/powerpoint/2010/main" val="1105913768"/>
-      </p:ext>
-    </p:extLst>
-  </p:cSld>
-  <p:clrMapOvr>
-    <a:masterClrMapping/>
-  </p:clrMapOvr>
-</p:sld>
-</file>
-
-<file path=ppt/slides/slide40.xml><?xml version="1.0" encoding="utf-8"?>
+<file path=ppt/slides/slide39.xml><?xml version="1.0" encoding="utf-8"?>
 <p:sld xmlns:a="http://schemas.openxmlformats.org/drawingml/2006/main" xmlns:r="http://schemas.openxmlformats.org/officeDocument/2006/relationships" xmlns:p="http://schemas.openxmlformats.org/presentationml/2006/main">
   <p:cSld>
     <p:spTree>
@@ -5937,7 +5831,61 @@
 </p:sld>
 </file>
 
-<file path=ppt/slides/slide41.xml><?xml version="1.0" encoding="utf-8"?>
+<file path=ppt/slides/slide4.xml><?xml version="1.0" encoding="utf-8"?>
+<p:sld xmlns:a="http://schemas.openxmlformats.org/drawingml/2006/main" xmlns:r="http://schemas.openxmlformats.org/officeDocument/2006/relationships" xmlns:p="http://schemas.openxmlformats.org/presentationml/2006/main">
+  <p:cSld>
+    <p:spTree>
+      <p:nvGrpSpPr>
+        <p:cNvPr id="1" name=""/>
+        <p:cNvGrpSpPr/>
+        <p:nvPr/>
+      </p:nvGrpSpPr>
+      <p:grpSpPr>
+        <a:xfrm>
+          <a:off x="0" y="0"/>
+          <a:ext cx="0" cy="0"/>
+          <a:chOff x="0" y="0"/>
+          <a:chExt cx="0" cy="0"/>
+        </a:xfrm>
+      </p:grpSpPr>
+      <p:pic>
+        <p:nvPicPr>
+          <p:cNvPr id="2" name="Picture 1"/>
+          <p:cNvPicPr>
+            <a:picLocks noChangeAspect="1"/>
+          </p:cNvPicPr>
+          <p:nvPr/>
+        </p:nvPicPr>
+        <p:blipFill>
+          <a:blip r:embed="rId2"/>
+          <a:stretch>
+            <a:fillRect/>
+          </a:stretch>
+        </p:blipFill>
+        <p:spPr>
+          <a:xfrm>
+            <a:off x="2015136" y="849406"/>
+            <a:ext cx="8161727" cy="5159187"/>
+          </a:xfrm>
+          <a:prstGeom prst="rect">
+            <a:avLst/>
+          </a:prstGeom>
+        </p:spPr>
+      </p:pic>
+    </p:spTree>
+    <p:extLst>
+      <p:ext uri="{BB962C8B-B14F-4D97-AF65-F5344CB8AC3E}">
+        <p14:creationId xmlns:p14="http://schemas.microsoft.com/office/powerpoint/2010/main" val="4027370977"/>
+      </p:ext>
+    </p:extLst>
+  </p:cSld>
+  <p:clrMapOvr>
+    <a:masterClrMapping/>
+  </p:clrMapOvr>
+</p:sld>
+</file>
+
+<file path=ppt/slides/slide40.xml><?xml version="1.0" encoding="utf-8"?>
 <p:sld xmlns:a="http://schemas.openxmlformats.org/drawingml/2006/main" xmlns:r="http://schemas.openxmlformats.org/officeDocument/2006/relationships" xmlns:p="http://schemas.openxmlformats.org/presentationml/2006/main">
   <p:cSld>
     <p:spTree>
@@ -6016,7 +5964,7 @@
 </p:sld>
 </file>
 
-<file path=ppt/slides/slide42.xml><?xml version="1.0" encoding="utf-8"?>
+<file path=ppt/slides/slide41.xml><?xml version="1.0" encoding="utf-8"?>
 <p:sld xmlns:a="http://schemas.openxmlformats.org/drawingml/2006/main" xmlns:r="http://schemas.openxmlformats.org/officeDocument/2006/relationships" xmlns:p="http://schemas.openxmlformats.org/presentationml/2006/main">
   <p:cSld>
     <p:spTree>
@@ -6095,7 +6043,7 @@
 </p:sld>
 </file>
 
-<file path=ppt/slides/slide43.xml><?xml version="1.0" encoding="utf-8"?>
+<file path=ppt/slides/slide42.xml><?xml version="1.0" encoding="utf-8"?>
 <p:sld xmlns:a="http://schemas.openxmlformats.org/drawingml/2006/main" xmlns:r="http://schemas.openxmlformats.org/officeDocument/2006/relationships" xmlns:p="http://schemas.openxmlformats.org/presentationml/2006/main">
   <p:cSld>
     <p:spTree>
@@ -6174,7 +6122,7 @@
 </p:sld>
 </file>
 
-<file path=ppt/slides/slide44.xml><?xml version="1.0" encoding="utf-8"?>
+<file path=ppt/slides/slide43.xml><?xml version="1.0" encoding="utf-8"?>
 <p:sld xmlns:a="http://schemas.openxmlformats.org/drawingml/2006/main" xmlns:r="http://schemas.openxmlformats.org/officeDocument/2006/relationships" xmlns:p="http://schemas.openxmlformats.org/presentationml/2006/main">
   <p:cSld>
     <p:spTree>
@@ -6253,7 +6201,7 @@
 </p:sld>
 </file>
 
-<file path=ppt/slides/slide45.xml><?xml version="1.0" encoding="utf-8"?>
+<file path=ppt/slides/slide44.xml><?xml version="1.0" encoding="utf-8"?>
 <p:sld xmlns:a="http://schemas.openxmlformats.org/drawingml/2006/main" xmlns:r="http://schemas.openxmlformats.org/officeDocument/2006/relationships" xmlns:p="http://schemas.openxmlformats.org/presentationml/2006/main">
   <p:cSld>
     <p:spTree>
@@ -6332,7 +6280,7 @@
 </p:sld>
 </file>
 
-<file path=ppt/slides/slide46.xml><?xml version="1.0" encoding="utf-8"?>
+<file path=ppt/slides/slide45.xml><?xml version="1.0" encoding="utf-8"?>
 <p:sld xmlns:a="http://schemas.openxmlformats.org/drawingml/2006/main" xmlns:r="http://schemas.openxmlformats.org/officeDocument/2006/relationships" xmlns:p="http://schemas.openxmlformats.org/presentationml/2006/main">
   <p:cSld>
     <p:spTree>
@@ -6411,7 +6359,7 @@
 </p:sld>
 </file>
 
-<file path=ppt/slides/slide47.xml><?xml version="1.0" encoding="utf-8"?>
+<file path=ppt/slides/slide46.xml><?xml version="1.0" encoding="utf-8"?>
 <p:sld xmlns:a="http://schemas.openxmlformats.org/drawingml/2006/main" xmlns:r="http://schemas.openxmlformats.org/officeDocument/2006/relationships" xmlns:p="http://schemas.openxmlformats.org/presentationml/2006/main">
   <p:cSld>
     <p:spTree>
@@ -6490,7 +6438,7 @@
 </p:sld>
 </file>
 
-<file path=ppt/slides/slide48.xml><?xml version="1.0" encoding="utf-8"?>
+<file path=ppt/slides/slide47.xml><?xml version="1.0" encoding="utf-8"?>
 <p:sld xmlns:a="http://schemas.openxmlformats.org/drawingml/2006/main" xmlns:r="http://schemas.openxmlformats.org/officeDocument/2006/relationships" xmlns:p="http://schemas.openxmlformats.org/presentationml/2006/main">
   <p:cSld>
     <p:spTree>
@@ -6569,7 +6517,7 @@
 </p:sld>
 </file>
 
-<file path=ppt/slides/slide49.xml><?xml version="1.0" encoding="utf-8"?>
+<file path=ppt/slides/slide48.xml><?xml version="1.0" encoding="utf-8"?>
 <p:sld xmlns:a="http://schemas.openxmlformats.org/drawingml/2006/main" xmlns:r="http://schemas.openxmlformats.org/officeDocument/2006/relationships" xmlns:p="http://schemas.openxmlformats.org/presentationml/2006/main">
   <p:cSld>
     <p:spTree>
@@ -6641,118 +6589,7 @@
 </p:sld>
 </file>
 
-<file path=ppt/slides/slide5.xml><?xml version="1.0" encoding="utf-8"?>
-<p:sld xmlns:a="http://schemas.openxmlformats.org/drawingml/2006/main" xmlns:r="http://schemas.openxmlformats.org/officeDocument/2006/relationships" xmlns:p="http://schemas.openxmlformats.org/presentationml/2006/main">
-  <p:cSld>
-    <p:spTree>
-      <p:nvGrpSpPr>
-        <p:cNvPr id="1" name=""/>
-        <p:cNvGrpSpPr/>
-        <p:nvPr/>
-      </p:nvGrpSpPr>
-      <p:grpSpPr>
-        <a:xfrm>
-          <a:off x="0" y="0"/>
-          <a:ext cx="0" cy="0"/>
-          <a:chOff x="0" y="0"/>
-          <a:chExt cx="0" cy="0"/>
-        </a:xfrm>
-      </p:grpSpPr>
-      <p:sp>
-        <p:nvSpPr>
-          <p:cNvPr id="2" name="Title 1"/>
-          <p:cNvSpPr>
-            <a:spLocks noGrp="1"/>
-          </p:cNvSpPr>
-          <p:nvPr>
-            <p:ph type="title"/>
-          </p:nvPr>
-        </p:nvSpPr>
-        <p:spPr/>
-        <p:txBody>
-          <a:bodyPr/>
-          <a:lstStyle/>
-          <a:p>
-            <a:r>
-              <a:rPr lang="en-US" dirty="0" smtClean="0"/>
-              <a:t>First move inside a e-learning-backend-app </a:t>
-            </a:r>
-            <a:endParaRPr lang="en-US" dirty="0"/>
-          </a:p>
-        </p:txBody>
-      </p:sp>
-      <p:sp>
-        <p:nvSpPr>
-          <p:cNvPr id="3" name="Content Placeholder 2"/>
-          <p:cNvSpPr>
-            <a:spLocks noGrp="1"/>
-          </p:cNvSpPr>
-          <p:nvPr>
-            <p:ph idx="1"/>
-          </p:nvPr>
-        </p:nvSpPr>
-        <p:spPr/>
-        <p:txBody>
-          <a:bodyPr/>
-          <a:lstStyle/>
-          <a:p>
-            <a:r>
-              <a:rPr lang="en-US" dirty="0" smtClean="0"/>
-              <a:t>Then run the command as </a:t>
-            </a:r>
-            <a:r>
-              <a:rPr lang="en-US" dirty="0" err="1" smtClean="0"/>
-              <a:t>npm</a:t>
-            </a:r>
-            <a:r>
-              <a:rPr lang="en-US" dirty="0" smtClean="0"/>
-              <a:t> install to install all required dependencies. </a:t>
-            </a:r>
-            <a:endParaRPr lang="en-US" dirty="0"/>
-          </a:p>
-          <a:p>
-            <a:endParaRPr lang="en-US" dirty="0"/>
-          </a:p>
-        </p:txBody>
-      </p:sp>
-      <p:pic>
-        <p:nvPicPr>
-          <p:cNvPr id="4" name="Picture 3"/>
-          <p:cNvPicPr>
-            <a:picLocks noChangeAspect="1"/>
-          </p:cNvPicPr>
-          <p:nvPr/>
-        </p:nvPicPr>
-        <p:blipFill>
-          <a:blip r:embed="rId2"/>
-          <a:stretch>
-            <a:fillRect/>
-          </a:stretch>
-        </p:blipFill>
-        <p:spPr>
-          <a:xfrm>
-            <a:off x="682895" y="2752435"/>
-            <a:ext cx="11103302" cy="4015465"/>
-          </a:xfrm>
-          <a:prstGeom prst="rect">
-            <a:avLst/>
-          </a:prstGeom>
-        </p:spPr>
-      </p:pic>
-    </p:spTree>
-    <p:extLst>
-      <p:ext uri="{BB962C8B-B14F-4D97-AF65-F5344CB8AC3E}">
-        <p14:creationId xmlns:p14="http://schemas.microsoft.com/office/powerpoint/2010/main" val="454234766"/>
-      </p:ext>
-    </p:extLst>
-  </p:cSld>
-  <p:clrMapOvr>
-    <a:masterClrMapping/>
-  </p:clrMapOvr>
-</p:sld>
-</file>
-
-<file path=ppt/slides/slide50.xml><?xml version="1.0" encoding="utf-8"?>
+<file path=ppt/slides/slide49.xml><?xml version="1.0" encoding="utf-8"?>
 <p:sld xmlns:a="http://schemas.openxmlformats.org/drawingml/2006/main" xmlns:r="http://schemas.openxmlformats.org/officeDocument/2006/relationships" xmlns:p="http://schemas.openxmlformats.org/presentationml/2006/main">
   <p:cSld>
     <p:spTree>
@@ -6831,7 +6668,61 @@
 </p:sld>
 </file>
 
-<file path=ppt/slides/slide51.xml><?xml version="1.0" encoding="utf-8"?>
+<file path=ppt/slides/slide5.xml><?xml version="1.0" encoding="utf-8"?>
+<p:sld xmlns:a="http://schemas.openxmlformats.org/drawingml/2006/main" xmlns:r="http://schemas.openxmlformats.org/officeDocument/2006/relationships" xmlns:p="http://schemas.openxmlformats.org/presentationml/2006/main">
+  <p:cSld>
+    <p:spTree>
+      <p:nvGrpSpPr>
+        <p:cNvPr id="1" name=""/>
+        <p:cNvGrpSpPr/>
+        <p:nvPr/>
+      </p:nvGrpSpPr>
+      <p:grpSpPr>
+        <a:xfrm>
+          <a:off x="0" y="0"/>
+          <a:ext cx="0" cy="0"/>
+          <a:chOff x="0" y="0"/>
+          <a:chExt cx="0" cy="0"/>
+        </a:xfrm>
+      </p:grpSpPr>
+      <p:pic>
+        <p:nvPicPr>
+          <p:cNvPr id="2" name="Picture 1"/>
+          <p:cNvPicPr>
+            <a:picLocks noChangeAspect="1"/>
+          </p:cNvPicPr>
+          <p:nvPr/>
+        </p:nvPicPr>
+        <p:blipFill>
+          <a:blip r:embed="rId2"/>
+          <a:stretch>
+            <a:fillRect/>
+          </a:stretch>
+        </p:blipFill>
+        <p:spPr>
+          <a:xfrm>
+            <a:off x="2018946" y="1186910"/>
+            <a:ext cx="8154107" cy="4465707"/>
+          </a:xfrm>
+          <a:prstGeom prst="rect">
+            <a:avLst/>
+          </a:prstGeom>
+        </p:spPr>
+      </p:pic>
+    </p:spTree>
+    <p:extLst>
+      <p:ext uri="{BB962C8B-B14F-4D97-AF65-F5344CB8AC3E}">
+        <p14:creationId xmlns:p14="http://schemas.microsoft.com/office/powerpoint/2010/main" val="2267752470"/>
+      </p:ext>
+    </p:extLst>
+  </p:cSld>
+  <p:clrMapOvr>
+    <a:masterClrMapping/>
+  </p:clrMapOvr>
+</p:sld>
+</file>
+
+<file path=ppt/slides/slide50.xml><?xml version="1.0" encoding="utf-8"?>
 <p:sld xmlns:a="http://schemas.openxmlformats.org/drawingml/2006/main" xmlns:r="http://schemas.openxmlformats.org/officeDocument/2006/relationships" xmlns:p="http://schemas.openxmlformats.org/presentationml/2006/main">
   <p:cSld>
     <p:spTree>
@@ -6910,7 +6801,7 @@
 </p:sld>
 </file>
 
-<file path=ppt/slides/slide52.xml><?xml version="1.0" encoding="utf-8"?>
+<file path=ppt/slides/slide51.xml><?xml version="1.0" encoding="utf-8"?>
 <p:sld xmlns:a="http://schemas.openxmlformats.org/drawingml/2006/main" xmlns:r="http://schemas.openxmlformats.org/officeDocument/2006/relationships" xmlns:p="http://schemas.openxmlformats.org/presentationml/2006/main">
   <p:cSld>
     <p:spTree>
@@ -6989,6 +6880,127 @@
 </p:sld>
 </file>
 
+<file path=ppt/slides/slide52.xml><?xml version="1.0" encoding="utf-8"?>
+<p:sld xmlns:a="http://schemas.openxmlformats.org/drawingml/2006/main" xmlns:r="http://schemas.openxmlformats.org/officeDocument/2006/relationships" xmlns:p="http://schemas.openxmlformats.org/presentationml/2006/main">
+  <p:cSld>
+    <p:spTree>
+      <p:nvGrpSpPr>
+        <p:cNvPr id="1" name=""/>
+        <p:cNvGrpSpPr/>
+        <p:nvPr/>
+      </p:nvGrpSpPr>
+      <p:grpSpPr>
+        <a:xfrm>
+          <a:off x="0" y="0"/>
+          <a:ext cx="0" cy="0"/>
+          <a:chOff x="0" y="0"/>
+          <a:chExt cx="0" cy="0"/>
+        </a:xfrm>
+      </p:grpSpPr>
+      <p:sp>
+        <p:nvSpPr>
+          <p:cNvPr id="2" name="Title 1"/>
+          <p:cNvSpPr>
+            <a:spLocks noGrp="1"/>
+          </p:cNvSpPr>
+          <p:nvPr>
+            <p:ph type="title"/>
+          </p:nvPr>
+        </p:nvSpPr>
+        <p:spPr/>
+        <p:txBody>
+          <a:bodyPr/>
+          <a:lstStyle/>
+          <a:p>
+            <a:r>
+              <a:rPr lang="en-US" dirty="0" smtClean="0"/>
+              <a:t>To stop all container using command as </a:t>
+            </a:r>
+            <a:endParaRPr lang="en-US" dirty="0"/>
+          </a:p>
+        </p:txBody>
+      </p:sp>
+      <p:sp>
+        <p:nvSpPr>
+          <p:cNvPr id="3" name="Content Placeholder 2"/>
+          <p:cNvSpPr>
+            <a:spLocks noGrp="1"/>
+          </p:cNvSpPr>
+          <p:nvPr>
+            <p:ph idx="1"/>
+          </p:nvPr>
+        </p:nvSpPr>
+        <p:spPr>
+          <a:xfrm>
+            <a:off x="838200" y="1825625"/>
+            <a:ext cx="10291618" cy="557357"/>
+          </a:xfrm>
+        </p:spPr>
+        <p:txBody>
+          <a:bodyPr/>
+          <a:lstStyle/>
+          <a:p>
+            <a:r>
+              <a:rPr lang="en-US" dirty="0" err="1"/>
+              <a:t>s</a:t>
+            </a:r>
+            <a:r>
+              <a:rPr lang="en-US" dirty="0" err="1" smtClean="0"/>
+              <a:t>udo</a:t>
+            </a:r>
+            <a:r>
+              <a:rPr lang="en-US" dirty="0" smtClean="0"/>
+              <a:t> </a:t>
+            </a:r>
+            <a:r>
+              <a:rPr lang="en-US" dirty="0" err="1" smtClean="0"/>
+              <a:t>docker</a:t>
+            </a:r>
+            <a:r>
+              <a:rPr lang="en-US" dirty="0" smtClean="0"/>
+              <a:t>-compose down </a:t>
+            </a:r>
+            <a:endParaRPr lang="en-US" dirty="0"/>
+          </a:p>
+        </p:txBody>
+      </p:sp>
+      <p:pic>
+        <p:nvPicPr>
+          <p:cNvPr id="4" name="Picture 3"/>
+          <p:cNvPicPr>
+            <a:picLocks noChangeAspect="1"/>
+          </p:cNvPicPr>
+          <p:nvPr/>
+        </p:nvPicPr>
+        <p:blipFill>
+          <a:blip r:embed="rId2"/>
+          <a:stretch>
+            <a:fillRect/>
+          </a:stretch>
+        </p:blipFill>
+        <p:spPr>
+          <a:xfrm>
+            <a:off x="2731152" y="2382982"/>
+            <a:ext cx="6729695" cy="4393591"/>
+          </a:xfrm>
+          <a:prstGeom prst="rect">
+            <a:avLst/>
+          </a:prstGeom>
+        </p:spPr>
+      </p:pic>
+    </p:spTree>
+    <p:extLst>
+      <p:ext uri="{BB962C8B-B14F-4D97-AF65-F5344CB8AC3E}">
+        <p14:creationId xmlns:p14="http://schemas.microsoft.com/office/powerpoint/2010/main" val="3483067802"/>
+      </p:ext>
+    </p:extLst>
+  </p:cSld>
+  <p:clrMapOvr>
+    <a:masterClrMapping/>
+  </p:clrMapOvr>
+</p:sld>
+</file>
+
 <file path=ppt/slides/slide6.xml><?xml version="1.0" encoding="utf-8"?>
 <p:sld xmlns:a="http://schemas.openxmlformats.org/drawingml/2006/main" xmlns:r="http://schemas.openxmlformats.org/officeDocument/2006/relationships" xmlns:p="http://schemas.openxmlformats.org/presentationml/2006/main">
   <p:cSld>
@@ -7006,38 +7018,13 @@
           <a:chExt cx="0" cy="0"/>
         </a:xfrm>
       </p:grpSpPr>
-      <p:sp>
-        <p:nvSpPr>
-          <p:cNvPr id="2" name="Title 1"/>
-          <p:cNvSpPr>
-            <a:spLocks noGrp="1"/>
-          </p:cNvSpPr>
-          <p:nvPr>
-            <p:ph type="title"/>
-          </p:nvPr>
-        </p:nvSpPr>
-        <p:spPr/>
-        <p:txBody>
-          <a:bodyPr/>
-          <a:lstStyle/>
-          <a:p>
-            <a:r>
-              <a:rPr lang="en-US" dirty="0" smtClean="0"/>
-              <a:t>After updated you can see the structure of the project </a:t>
-            </a:r>
-            <a:endParaRPr lang="en-US" dirty="0"/>
-          </a:p>
-        </p:txBody>
-      </p:sp>
       <p:pic>
         <p:nvPicPr>
-          <p:cNvPr id="5" name="Content Placeholder 4"/>
+          <p:cNvPr id="2" name="Picture 1"/>
           <p:cNvPicPr>
-            <a:picLocks noGrp="1" noChangeAspect="1"/>
+            <a:picLocks noChangeAspect="1"/>
           </p:cNvPicPr>
-          <p:nvPr>
-            <p:ph idx="1"/>
-          </p:nvPr>
+          <p:nvPr/>
         </p:nvPicPr>
         <p:blipFill>
           <a:blip r:embed="rId2"/>
@@ -7047,8 +7034,8 @@
         </p:blipFill>
         <p:spPr>
           <a:xfrm>
-            <a:off x="2443417" y="1825625"/>
-            <a:ext cx="7305166" cy="4351338"/>
+            <a:off x="2662892" y="1447628"/>
+            <a:ext cx="6866215" cy="3962743"/>
           </a:xfrm>
           <a:prstGeom prst="rect">
             <a:avLst/>
@@ -7058,7 +7045,7 @@
     </p:spTree>
     <p:extLst>
       <p:ext uri="{BB962C8B-B14F-4D97-AF65-F5344CB8AC3E}">
-        <p14:creationId xmlns:p14="http://schemas.microsoft.com/office/powerpoint/2010/main" val="173097036"/>
+        <p14:creationId xmlns:p14="http://schemas.microsoft.com/office/powerpoint/2010/main" val="3078236152"/>
       </p:ext>
     </p:extLst>
   </p:cSld>
@@ -7102,73 +7089,42 @@
           <a:p>
             <a:r>
               <a:rPr lang="en-US" dirty="0" smtClean="0"/>
-              <a:t>Project structure explanation </a:t>
+              <a:t>After updated you can see the structure of the project </a:t>
             </a:r>
             <a:endParaRPr lang="en-US" dirty="0"/>
           </a:p>
         </p:txBody>
       </p:sp>
-      <p:sp>
-        <p:nvSpPr>
-          <p:cNvPr id="3" name="Content Placeholder 2"/>
-          <p:cNvSpPr>
-            <a:spLocks noGrp="1"/>
-          </p:cNvSpPr>
+      <p:pic>
+        <p:nvPicPr>
+          <p:cNvPr id="4" name="Content Placeholder 3"/>
+          <p:cNvPicPr>
+            <a:picLocks noGrp="1" noChangeAspect="1"/>
+          </p:cNvPicPr>
           <p:nvPr>
             <p:ph idx="1"/>
           </p:nvPr>
-        </p:nvSpPr>
-        <p:spPr/>
-        <p:txBody>
-          <a:bodyPr/>
-          <a:lstStyle/>
-          <a:p>
-            <a:r>
-              <a:rPr lang="en-US" dirty="0" smtClean="0"/>
-              <a:t>In app.js file we can see the database connection details. If we use local machine database then </a:t>
-            </a:r>
-            <a:r>
-              <a:rPr lang="en-US" dirty="0" err="1" smtClean="0"/>
-              <a:t>ip</a:t>
-            </a:r>
-            <a:r>
-              <a:rPr lang="en-US" dirty="0" smtClean="0"/>
-              <a:t> address must be local host or 127.0.0.1 with port number 27017.if we use Docker container then mongo </a:t>
-            </a:r>
-            <a:r>
-              <a:rPr lang="en-US" dirty="0" err="1" smtClean="0"/>
-              <a:t>db</a:t>
-            </a:r>
-            <a:r>
-              <a:rPr lang="en-US" dirty="0" smtClean="0"/>
-              <a:t> container name </a:t>
-            </a:r>
-            <a:r>
-              <a:rPr lang="en-US" dirty="0" err="1" smtClean="0"/>
-              <a:t>ie</a:t>
-            </a:r>
-            <a:r>
-              <a:rPr lang="en-US" dirty="0" smtClean="0"/>
-              <a:t> present in </a:t>
-            </a:r>
-            <a:r>
-              <a:rPr lang="en-US" dirty="0" err="1" smtClean="0"/>
-              <a:t>docker-compose.yml</a:t>
-            </a:r>
-            <a:r>
-              <a:rPr lang="en-US" dirty="0" smtClean="0"/>
-              <a:t> file as database.</a:t>
-            </a:r>
-          </a:p>
-          <a:p>
-            <a:endParaRPr lang="en-US" dirty="0"/>
-          </a:p>
-        </p:txBody>
-      </p:sp>
+        </p:nvPicPr>
+        <p:blipFill>
+          <a:blip r:embed="rId2"/>
+          <a:stretch>
+            <a:fillRect/>
+          </a:stretch>
+        </p:blipFill>
+        <p:spPr>
+          <a:xfrm>
+            <a:off x="838200" y="2779896"/>
+            <a:ext cx="10515600" cy="2442795"/>
+          </a:xfrm>
+          <a:prstGeom prst="rect">
+            <a:avLst/>
+          </a:prstGeom>
+        </p:spPr>
+      </p:pic>
     </p:spTree>
     <p:extLst>
       <p:ext uri="{BB962C8B-B14F-4D97-AF65-F5344CB8AC3E}">
-        <p14:creationId xmlns:p14="http://schemas.microsoft.com/office/powerpoint/2010/main" val="1019667033"/>
+        <p14:creationId xmlns:p14="http://schemas.microsoft.com/office/powerpoint/2010/main" val="173097036"/>
       </p:ext>
     </p:extLst>
   </p:cSld>
@@ -7195,34 +7151,98 @@
           <a:chExt cx="0" cy="0"/>
         </a:xfrm>
       </p:grpSpPr>
-      <p:pic>
-        <p:nvPicPr>
-          <p:cNvPr id="3" name="Picture 2"/>
-          <p:cNvPicPr>
-            <a:picLocks noChangeAspect="1"/>
-          </p:cNvPicPr>
-          <p:nvPr/>
-        </p:nvPicPr>
-        <p:blipFill>
-          <a:blip r:embed="rId2"/>
-          <a:stretch>
-            <a:fillRect/>
-          </a:stretch>
-        </p:blipFill>
-        <p:spPr>
-          <a:xfrm>
-            <a:off x="159505" y="205460"/>
-            <a:ext cx="11872989" cy="6447079"/>
-          </a:xfrm>
-          <a:prstGeom prst="rect">
-            <a:avLst/>
-          </a:prstGeom>
-        </p:spPr>
-      </p:pic>
+      <p:sp>
+        <p:nvSpPr>
+          <p:cNvPr id="2" name="Title 1"/>
+          <p:cNvSpPr>
+            <a:spLocks noGrp="1"/>
+          </p:cNvSpPr>
+          <p:nvPr>
+            <p:ph type="title"/>
+          </p:nvPr>
+        </p:nvSpPr>
+        <p:spPr/>
+        <p:txBody>
+          <a:bodyPr/>
+          <a:lstStyle/>
+          <a:p>
+            <a:r>
+              <a:rPr lang="en-US" dirty="0" smtClean="0"/>
+              <a:t>Project structure explanation </a:t>
+            </a:r>
+            <a:endParaRPr lang="en-US" dirty="0"/>
+          </a:p>
+        </p:txBody>
+      </p:sp>
+      <p:sp>
+        <p:nvSpPr>
+          <p:cNvPr id="3" name="Content Placeholder 2"/>
+          <p:cNvSpPr>
+            <a:spLocks noGrp="1"/>
+          </p:cNvSpPr>
+          <p:nvPr>
+            <p:ph idx="1"/>
+          </p:nvPr>
+        </p:nvSpPr>
+        <p:spPr/>
+        <p:txBody>
+          <a:bodyPr/>
+          <a:lstStyle/>
+          <a:p>
+            <a:r>
+              <a:rPr lang="en-US" dirty="0" smtClean="0"/>
+              <a:t>In app.js file we can see the database connection details. If we use local machine database then </a:t>
+            </a:r>
+            <a:r>
+              <a:rPr lang="en-US" dirty="0" err="1" smtClean="0"/>
+              <a:t>ip</a:t>
+            </a:r>
+            <a:r>
+              <a:rPr lang="en-US" dirty="0" smtClean="0"/>
+              <a:t> address must be local host or 127.0.0.1 with port number </a:t>
+            </a:r>
+            <a:r>
+              <a:rPr lang="en-US" dirty="0" smtClean="0"/>
+              <a:t>27017.if </a:t>
+            </a:r>
+            <a:r>
+              <a:rPr lang="en-US" dirty="0" smtClean="0"/>
+              <a:t>we use Docker container then mongo </a:t>
+            </a:r>
+            <a:r>
+              <a:rPr lang="en-US" dirty="0" err="1" smtClean="0"/>
+              <a:t>db</a:t>
+            </a:r>
+            <a:r>
+              <a:rPr lang="en-US" dirty="0" smtClean="0"/>
+              <a:t> container name </a:t>
+            </a:r>
+            <a:r>
+              <a:rPr lang="en-US" dirty="0" err="1" smtClean="0"/>
+              <a:t>ie</a:t>
+            </a:r>
+            <a:r>
+              <a:rPr lang="en-US" dirty="0" smtClean="0"/>
+              <a:t> present in </a:t>
+            </a:r>
+            <a:r>
+              <a:rPr lang="en-US" dirty="0" err="1" smtClean="0"/>
+              <a:t>docker-compose.yml</a:t>
+            </a:r>
+            <a:r>
+              <a:rPr lang="en-US" dirty="0" smtClean="0"/>
+              <a:t> file as database.</a:t>
+            </a:r>
+          </a:p>
+          <a:p>
+            <a:endParaRPr lang="en-US" dirty="0"/>
+          </a:p>
+        </p:txBody>
+      </p:sp>
     </p:spTree>
     <p:extLst>
       <p:ext uri="{BB962C8B-B14F-4D97-AF65-F5344CB8AC3E}">
-        <p14:creationId xmlns:p14="http://schemas.microsoft.com/office/powerpoint/2010/main" val="2691633950"/>
+        <p14:creationId xmlns:p14="http://schemas.microsoft.com/office/powerpoint/2010/main" val="1019667033"/>
       </p:ext>
     </p:extLst>
   </p:cSld>
@@ -7249,38 +7269,13 @@
           <a:chExt cx="0" cy="0"/>
         </a:xfrm>
       </p:grpSpPr>
-      <p:sp>
-        <p:nvSpPr>
-          <p:cNvPr id="2" name="Title 1"/>
-          <p:cNvSpPr>
-            <a:spLocks noGrp="1"/>
-          </p:cNvSpPr>
-          <p:nvPr>
-            <p:ph type="title"/>
-          </p:nvPr>
-        </p:nvSpPr>
-        <p:spPr/>
-        <p:txBody>
-          <a:bodyPr/>
-          <a:lstStyle/>
-          <a:p>
-            <a:r>
-              <a:rPr lang="en-US" dirty="0" smtClean="0"/>
-              <a:t>Model file: this file contains the structure of collection with schema definition </a:t>
-            </a:r>
-            <a:endParaRPr lang="en-US" dirty="0"/>
-          </a:p>
-        </p:txBody>
-      </p:sp>
       <p:pic>
         <p:nvPicPr>
-          <p:cNvPr id="5" name="Content Placeholder 4"/>
+          <p:cNvPr id="2" name="Picture 1"/>
           <p:cNvPicPr>
-            <a:picLocks noGrp="1" noChangeAspect="1"/>
+            <a:picLocks noChangeAspect="1"/>
           </p:cNvPicPr>
-          <p:nvPr>
-            <p:ph idx="1"/>
-          </p:nvPr>
+          <p:nvPr/>
         </p:nvPicPr>
         <p:blipFill>
           <a:blip r:embed="rId2"/>
@@ -7290,8 +7285,8 @@
         </p:blipFill>
         <p:spPr>
           <a:xfrm>
-            <a:off x="1938930" y="2336179"/>
-            <a:ext cx="8314140" cy="3330229"/>
+            <a:off x="525297" y="853217"/>
+            <a:ext cx="11141405" cy="5151566"/>
           </a:xfrm>
           <a:prstGeom prst="rect">
             <a:avLst/>
@@ -7301,7 +7296,7 @@
     </p:spTree>
     <p:extLst>
       <p:ext uri="{BB962C8B-B14F-4D97-AF65-F5344CB8AC3E}">
-        <p14:creationId xmlns:p14="http://schemas.microsoft.com/office/powerpoint/2010/main" val="986307393"/>
+        <p14:creationId xmlns:p14="http://schemas.microsoft.com/office/powerpoint/2010/main" val="2691633950"/>
       </p:ext>
     </p:extLst>
   </p:cSld>
